--- a/Day 3-Format code in Visual studio 2019.pptx
+++ b/Day 3-Format code in Visual studio 2019.pptx
@@ -15,7 +15,9 @@
     <p:sldId id="263" r:id="rId9"/>
     <p:sldId id="264" r:id="rId10"/>
     <p:sldId id="265" r:id="rId11"/>
-    <p:sldId id="266" r:id="rId12"/>
+    <p:sldId id="267" r:id="rId12"/>
+    <p:sldId id="268" r:id="rId13"/>
+    <p:sldId id="266" r:id="rId14"/>
   </p:sldIdLst>
   <p:sldSz cx="12192000" cy="6858000"/>
   <p:notesSz cx="6858000" cy="9144000"/>
@@ -912,7 +914,7 @@
           <a:p>
             <a:fld id="{B911CE14-635F-4C67-B035-7EB6E835DE00}" type="datetimeFigureOut">
               <a:rPr lang="en-US" smtClean="0"/>
-              <a:t>12/9/19</a:t>
+              <a:t>12/15/19</a:t>
             </a:fld>
             <a:endParaRPr lang="en-US"/>
           </a:p>
@@ -1727,7 +1729,7 @@
           <a:p>
             <a:fld id="{B911CE14-635F-4C67-B035-7EB6E835DE00}" type="datetimeFigureOut">
               <a:rPr lang="en-US" smtClean="0"/>
-              <a:t>12/9/19</a:t>
+              <a:t>12/15/19</a:t>
             </a:fld>
             <a:endParaRPr lang="en-US"/>
           </a:p>
@@ -1982,7 +1984,7 @@
           <a:p>
             <a:fld id="{B911CE14-635F-4C67-B035-7EB6E835DE00}" type="datetimeFigureOut">
               <a:rPr lang="en-US" smtClean="0"/>
-              <a:t>12/9/19</a:t>
+              <a:t>12/15/19</a:t>
             </a:fld>
             <a:endParaRPr lang="en-US"/>
           </a:p>
@@ -2197,7 +2199,7 @@
           <a:p>
             <a:fld id="{B911CE14-635F-4C67-B035-7EB6E835DE00}" type="datetimeFigureOut">
               <a:rPr lang="en-US" smtClean="0"/>
-              <a:t>12/9/19</a:t>
+              <a:t>12/15/19</a:t>
             </a:fld>
             <a:endParaRPr lang="en-US"/>
           </a:p>
@@ -2415,7 +2417,7 @@
           <a:p>
             <a:fld id="{B911CE14-635F-4C67-B035-7EB6E835DE00}" type="datetimeFigureOut">
               <a:rPr lang="en-US" smtClean="0"/>
-              <a:t>12/9/19</a:t>
+              <a:t>12/15/19</a:t>
             </a:fld>
             <a:endParaRPr lang="en-US"/>
           </a:p>
@@ -3543,7 +3545,7 @@
           <a:p>
             <a:fld id="{B911CE14-635F-4C67-B035-7EB6E835DE00}" type="datetimeFigureOut">
               <a:rPr lang="en-US" smtClean="0"/>
-              <a:t>12/9/19</a:t>
+              <a:t>12/15/19</a:t>
             </a:fld>
             <a:endParaRPr lang="en-US"/>
           </a:p>
@@ -4015,7 +4017,7 @@
           <a:p>
             <a:fld id="{B911CE14-635F-4C67-B035-7EB6E835DE00}" type="datetimeFigureOut">
               <a:rPr lang="en-US" smtClean="0"/>
-              <a:t>12/9/19</a:t>
+              <a:t>12/15/19</a:t>
             </a:fld>
             <a:endParaRPr lang="en-US"/>
           </a:p>
@@ -4463,7 +4465,7 @@
           <a:p>
             <a:fld id="{B911CE14-635F-4C67-B035-7EB6E835DE00}" type="datetimeFigureOut">
               <a:rPr lang="en-US" smtClean="0"/>
-              <a:t>12/9/19</a:t>
+              <a:t>12/15/19</a:t>
             </a:fld>
             <a:endParaRPr lang="en-US"/>
           </a:p>
@@ -4593,7 +4595,7 @@
           <a:p>
             <a:fld id="{B911CE14-635F-4C67-B035-7EB6E835DE00}" type="datetimeFigureOut">
               <a:rPr lang="en-US" smtClean="0"/>
-              <a:t>12/9/19</a:t>
+              <a:t>12/15/19</a:t>
             </a:fld>
             <a:endParaRPr lang="en-US"/>
           </a:p>
@@ -4928,7 +4930,7 @@
           <a:p>
             <a:fld id="{B911CE14-635F-4C67-B035-7EB6E835DE00}" type="datetimeFigureOut">
               <a:rPr lang="en-US" smtClean="0"/>
-              <a:t>12/9/19</a:t>
+              <a:t>12/15/19</a:t>
             </a:fld>
             <a:endParaRPr lang="en-US"/>
           </a:p>
@@ -5419,7 +5421,7 @@
           <a:p>
             <a:fld id="{B911CE14-635F-4C67-B035-7EB6E835DE00}" type="datetimeFigureOut">
               <a:rPr lang="en-US" smtClean="0"/>
-              <a:t>12/9/19</a:t>
+              <a:t>12/15/19</a:t>
             </a:fld>
             <a:endParaRPr lang="en-US"/>
           </a:p>
@@ -5855,7 +5857,7 @@
           <a:p>
             <a:fld id="{B911CE14-635F-4C67-B035-7EB6E835DE00}" type="datetimeFigureOut">
               <a:rPr lang="en-US" smtClean="0"/>
-              <a:t>12/9/19</a:t>
+              <a:t>12/15/19</a:t>
             </a:fld>
             <a:endParaRPr lang="en-US"/>
           </a:p>
@@ -6422,7 +6424,7 @@
           <a:p>
             <a:fld id="{B911CE14-635F-4C67-B035-7EB6E835DE00}" type="datetimeFigureOut">
               <a:rPr lang="en-US" smtClean="0"/>
-              <a:t>12/9/19</a:t>
+              <a:t>12/15/19</a:t>
             </a:fld>
             <a:endParaRPr lang="en-US"/>
           </a:p>
@@ -7054,6 +7056,216 @@
       </p:grpSpPr>
       <p:sp>
         <p:nvSpPr>
+          <p:cNvPr id="2" name="Title 1">
+            <a:extLst>
+              <a:ext uri="{FF2B5EF4-FFF2-40B4-BE49-F238E27FC236}">
+                <a16:creationId xmlns:a16="http://schemas.microsoft.com/office/drawing/2014/main" id="{99624B7C-9BC4-5F40-8533-70164D4B03F2}"/>
+              </a:ext>
+            </a:extLst>
+          </p:cNvPr>
+          <p:cNvSpPr>
+            <a:spLocks noGrp="1"/>
+          </p:cNvSpPr>
+          <p:nvPr>
+            <p:ph type="title"/>
+          </p:nvPr>
+        </p:nvSpPr>
+        <p:spPr/>
+        <p:txBody>
+          <a:bodyPr/>
+          <a:lstStyle/>
+          <a:p>
+            <a:r>
+              <a:rPr lang="en-US" dirty="0"/>
+              <a:t>XML comments</a:t>
+            </a:r>
+          </a:p>
+        </p:txBody>
+      </p:sp>
+      <p:pic>
+        <p:nvPicPr>
+          <p:cNvPr id="5" name="Picture 4">
+            <a:extLst>
+              <a:ext uri="{FF2B5EF4-FFF2-40B4-BE49-F238E27FC236}">
+                <a16:creationId xmlns:a16="http://schemas.microsoft.com/office/drawing/2014/main" id="{E5E5ED43-17C7-AC45-A232-36E243DA28EE}"/>
+              </a:ext>
+            </a:extLst>
+          </p:cNvPr>
+          <p:cNvPicPr>
+            <a:picLocks noChangeAspect="1"/>
+          </p:cNvPicPr>
+          <p:nvPr/>
+        </p:nvPicPr>
+        <p:blipFill>
+          <a:blip r:embed="rId2">
+            <a:extLst>
+              <a:ext uri="{28A0092B-C50C-407E-A947-70E740481C1C}">
+                <a14:useLocalDpi xmlns:a14="http://schemas.microsoft.com/office/drawing/2010/main" val="0"/>
+              </a:ext>
+            </a:extLst>
+          </a:blip>
+          <a:stretch>
+            <a:fillRect/>
+          </a:stretch>
+        </p:blipFill>
+        <p:spPr>
+          <a:xfrm>
+            <a:off x="1965326" y="1204778"/>
+            <a:ext cx="9042400" cy="4851400"/>
+          </a:xfrm>
+          <a:prstGeom prst="rect">
+            <a:avLst/>
+          </a:prstGeom>
+        </p:spPr>
+      </p:pic>
+    </p:spTree>
+    <p:extLst>
+      <p:ext uri="{BB962C8B-B14F-4D97-AF65-F5344CB8AC3E}">
+        <p14:creationId xmlns:p14="http://schemas.microsoft.com/office/powerpoint/2010/main" val="3611428375"/>
+      </p:ext>
+    </p:extLst>
+  </p:cSld>
+  <p:clrMapOvr>
+    <a:masterClrMapping/>
+  </p:clrMapOvr>
+  <mc:AlternateContent xmlns:mc="http://schemas.openxmlformats.org/markup-compatibility/2006" xmlns:p14="http://schemas.microsoft.com/office/powerpoint/2010/main">
+    <mc:Choice Requires="p14">
+      <p:transition spd="med" p14:dur="700">
+        <p:fade/>
+      </p:transition>
+    </mc:Choice>
+    <mc:Fallback xmlns="">
+      <p:transition spd="med">
+        <p:fade/>
+      </p:transition>
+    </mc:Fallback>
+  </mc:AlternateContent>
+</p:sld>
+</file>
+
+<file path=ppt/slides/slide12.xml><?xml version="1.0" encoding="utf-8"?>
+<p:sld xmlns:a="http://schemas.openxmlformats.org/drawingml/2006/main" xmlns:r="http://schemas.openxmlformats.org/officeDocument/2006/relationships" xmlns:p="http://schemas.openxmlformats.org/presentationml/2006/main">
+  <p:cSld>
+    <p:spTree>
+      <p:nvGrpSpPr>
+        <p:cNvPr id="1" name=""/>
+        <p:cNvGrpSpPr/>
+        <p:nvPr/>
+      </p:nvGrpSpPr>
+      <p:grpSpPr>
+        <a:xfrm>
+          <a:off x="0" y="0"/>
+          <a:ext cx="0" cy="0"/>
+          <a:chOff x="0" y="0"/>
+          <a:chExt cx="0" cy="0"/>
+        </a:xfrm>
+      </p:grpSpPr>
+      <p:sp>
+        <p:nvSpPr>
+          <p:cNvPr id="2" name="Title 1">
+            <a:extLst>
+              <a:ext uri="{FF2B5EF4-FFF2-40B4-BE49-F238E27FC236}">
+                <a16:creationId xmlns:a16="http://schemas.microsoft.com/office/drawing/2014/main" id="{1E04B6DD-3998-A14F-BFEF-3093958D1C08}"/>
+              </a:ext>
+            </a:extLst>
+          </p:cNvPr>
+          <p:cNvSpPr>
+            <a:spLocks noGrp="1"/>
+          </p:cNvSpPr>
+          <p:nvPr>
+            <p:ph type="title"/>
+          </p:nvPr>
+        </p:nvSpPr>
+        <p:spPr/>
+        <p:txBody>
+          <a:bodyPr/>
+          <a:lstStyle/>
+          <a:p>
+            <a:r>
+              <a:rPr lang="en-US" dirty="0"/>
+              <a:t>XML comment Walkthrough</a:t>
+            </a:r>
+          </a:p>
+        </p:txBody>
+      </p:sp>
+      <p:sp>
+        <p:nvSpPr>
+          <p:cNvPr id="3" name="Content Placeholder 2">
+            <a:extLst>
+              <a:ext uri="{FF2B5EF4-FFF2-40B4-BE49-F238E27FC236}">
+                <a16:creationId xmlns:a16="http://schemas.microsoft.com/office/drawing/2014/main" id="{C3460566-2786-B348-8BB4-9AAF4450D7BD}"/>
+              </a:ext>
+            </a:extLst>
+          </p:cNvPr>
+          <p:cNvSpPr>
+            <a:spLocks noGrp="1"/>
+          </p:cNvSpPr>
+          <p:nvPr>
+            <p:ph idx="1"/>
+          </p:nvPr>
+        </p:nvSpPr>
+        <p:spPr/>
+        <p:txBody>
+          <a:bodyPr/>
+          <a:lstStyle/>
+          <a:p>
+            <a:r>
+              <a:rPr lang="en-US" dirty="0">
+                <a:hlinkClick r:id="rId2"/>
+              </a:rPr>
+              <a:t>https://docs.microsoft.com/en-us/dotnet/csharp/codedoc</a:t>
+            </a:r>
+            <a:endParaRPr lang="en-US" dirty="0"/>
+          </a:p>
+          <a:p>
+            <a:endParaRPr lang="en-US" dirty="0"/>
+          </a:p>
+        </p:txBody>
+      </p:sp>
+    </p:spTree>
+    <p:extLst>
+      <p:ext uri="{BB962C8B-B14F-4D97-AF65-F5344CB8AC3E}">
+        <p14:creationId xmlns:p14="http://schemas.microsoft.com/office/powerpoint/2010/main" val="1499166866"/>
+      </p:ext>
+    </p:extLst>
+  </p:cSld>
+  <p:clrMapOvr>
+    <a:masterClrMapping/>
+  </p:clrMapOvr>
+  <mc:AlternateContent xmlns:mc="http://schemas.openxmlformats.org/markup-compatibility/2006" xmlns:p14="http://schemas.microsoft.com/office/powerpoint/2010/main">
+    <mc:Choice Requires="p14">
+      <p:transition spd="med" p14:dur="700">
+        <p:fade/>
+      </p:transition>
+    </mc:Choice>
+    <mc:Fallback xmlns="">
+      <p:transition spd="med">
+        <p:fade/>
+      </p:transition>
+    </mc:Fallback>
+  </mc:AlternateContent>
+</p:sld>
+</file>
+
+<file path=ppt/slides/slide13.xml><?xml version="1.0" encoding="utf-8"?>
+<p:sld xmlns:a="http://schemas.openxmlformats.org/drawingml/2006/main" xmlns:r="http://schemas.openxmlformats.org/officeDocument/2006/relationships" xmlns:p="http://schemas.openxmlformats.org/presentationml/2006/main">
+  <p:cSld>
+    <p:spTree>
+      <p:nvGrpSpPr>
+        <p:cNvPr id="1" name=""/>
+        <p:cNvGrpSpPr/>
+        <p:nvPr/>
+      </p:nvGrpSpPr>
+      <p:grpSpPr>
+        <a:xfrm>
+          <a:off x="0" y="0"/>
+          <a:ext cx="0" cy="0"/>
+          <a:chOff x="0" y="0"/>
+          <a:chExt cx="0" cy="0"/>
+        </a:xfrm>
+      </p:grpSpPr>
+      <p:sp>
+        <p:nvSpPr>
           <p:cNvPr id="2" name="Title 1"/>
           <p:cNvSpPr>
             <a:spLocks noGrp="1"/>
